--- a/FixedWingDoublet/Figures and data for presentation/EKP Correction.pptx
+++ b/FixedWingDoublet/Figures and data for presentation/EKP Correction.pptx
@@ -7,6 +7,7 @@
   <p:sldIdLst>
     <p:sldId id="256" r:id="rId2"/>
     <p:sldId id="257" r:id="rId3"/>
+    <p:sldId id="258" r:id="rId4"/>
   </p:sldIdLst>
   <p:sldSz cx="12192000" cy="6858000"/>
   <p:notesSz cx="6858000" cy="9144000"/>
@@ -105,7 +106,81 @@
       </a:defRPr>
     </a:lvl9pPr>
   </p:defaultTextStyle>
+  <p:extLst>
+    <p:ext uri="{EFAFB233-063F-42B5-8137-9DF3F51BA10A}">
+      <p15:sldGuideLst xmlns:p15="http://schemas.microsoft.com/office/powerpoint/2012/main"/>
+    </p:ext>
+  </p:extLst>
 </p:presentation>
+</file>
+
+<file path=ppt/revisionInfo.xml><?xml version="1.0" encoding="utf-8"?>
+<p1510:revInfo xmlns:a="http://schemas.openxmlformats.org/drawingml/2006/main" xmlns:r="http://schemas.openxmlformats.org/officeDocument/2006/relationships" xmlns:p1510="http://schemas.microsoft.com/office/powerpoint/2015/10/main">
+  <p1510:revLst>
+    <p1510:client id="{80EAD2B4-3070-4D4F-AC83-B79623217CA9}" v="1" dt="2024-02-21T18:14:30.123"/>
+  </p1510:revLst>
+</p1510:revInfo>
+</file>
+
+<file path=ppt/changesInfos/changesInfo1.xml><?xml version="1.0" encoding="utf-8"?>
+<pc:chgInfo xmlns:a="http://schemas.openxmlformats.org/drawingml/2006/main" xmlns:r="http://schemas.openxmlformats.org/officeDocument/2006/relationships" xmlns:ac="http://schemas.microsoft.com/office/drawing/2013/main/command" xmlns:pc="http://schemas.microsoft.com/office/powerpoint/2013/main/command">
+  <pc:docChgLst>
+    <pc:chgData name="Sakib, Nazmus" userId="5a70df67-f8b8-44b4-9e1e-b1bbee6ba8e9" providerId="ADAL" clId="{80EAD2B4-3070-4D4F-AC83-B79623217CA9}"/>
+    <pc:docChg chg="custSel addSld modSld">
+      <pc:chgData name="Sakib, Nazmus" userId="5a70df67-f8b8-44b4-9e1e-b1bbee6ba8e9" providerId="ADAL" clId="{80EAD2B4-3070-4D4F-AC83-B79623217CA9}" dt="2024-02-21T18:14:31.714" v="4" actId="1076"/>
+      <pc:docMkLst>
+        <pc:docMk/>
+      </pc:docMkLst>
+      <pc:sldChg chg="addSp delSp modSp new mod">
+        <pc:chgData name="Sakib, Nazmus" userId="5a70df67-f8b8-44b4-9e1e-b1bbee6ba8e9" providerId="ADAL" clId="{80EAD2B4-3070-4D4F-AC83-B79623217CA9}" dt="2024-02-21T18:14:31.714" v="4" actId="1076"/>
+        <pc:sldMkLst>
+          <pc:docMk/>
+          <pc:sldMk cId="954715612" sldId="258"/>
+        </pc:sldMkLst>
+        <pc:spChg chg="del">
+          <ac:chgData name="Sakib, Nazmus" userId="5a70df67-f8b8-44b4-9e1e-b1bbee6ba8e9" providerId="ADAL" clId="{80EAD2B4-3070-4D4F-AC83-B79623217CA9}" dt="2024-02-21T18:14:27.093" v="1" actId="478"/>
+          <ac:spMkLst>
+            <pc:docMk/>
+            <pc:sldMk cId="954715612" sldId="258"/>
+            <ac:spMk id="2" creationId="{90AFBA5F-C9DA-7ECF-FC8B-6C87C85828B1}"/>
+          </ac:spMkLst>
+        </pc:spChg>
+        <pc:spChg chg="del">
+          <ac:chgData name="Sakib, Nazmus" userId="5a70df67-f8b8-44b4-9e1e-b1bbee6ba8e9" providerId="ADAL" clId="{80EAD2B4-3070-4D4F-AC83-B79623217CA9}" dt="2024-02-21T18:14:29.197" v="2" actId="478"/>
+          <ac:spMkLst>
+            <pc:docMk/>
+            <pc:sldMk cId="954715612" sldId="258"/>
+            <ac:spMk id="3" creationId="{1937ACA7-60DE-0890-5092-92E6F6A37748}"/>
+          </ac:spMkLst>
+        </pc:spChg>
+        <pc:grpChg chg="add mod">
+          <ac:chgData name="Sakib, Nazmus" userId="5a70df67-f8b8-44b4-9e1e-b1bbee6ba8e9" providerId="ADAL" clId="{80EAD2B4-3070-4D4F-AC83-B79623217CA9}" dt="2024-02-21T18:14:31.714" v="4" actId="1076"/>
+          <ac:grpSpMkLst>
+            <pc:docMk/>
+            <pc:sldMk cId="954715612" sldId="258"/>
+            <ac:grpSpMk id="14" creationId="{17CF6953-97E9-7921-2B94-07F62C901D1C}"/>
+          </ac:grpSpMkLst>
+        </pc:grpChg>
+        <pc:picChg chg="mod">
+          <ac:chgData name="Sakib, Nazmus" userId="5a70df67-f8b8-44b4-9e1e-b1bbee6ba8e9" providerId="ADAL" clId="{80EAD2B4-3070-4D4F-AC83-B79623217CA9}" dt="2024-02-21T18:14:30.123" v="3"/>
+          <ac:picMkLst>
+            <pc:docMk/>
+            <pc:sldMk cId="954715612" sldId="258"/>
+            <ac:picMk id="12" creationId="{95C45A23-7E54-8C63-B1B9-26AF52EA1E81}"/>
+          </ac:picMkLst>
+        </pc:picChg>
+        <pc:picChg chg="mod">
+          <ac:chgData name="Sakib, Nazmus" userId="5a70df67-f8b8-44b4-9e1e-b1bbee6ba8e9" providerId="ADAL" clId="{80EAD2B4-3070-4D4F-AC83-B79623217CA9}" dt="2024-02-21T18:14:30.123" v="3"/>
+          <ac:picMkLst>
+            <pc:docMk/>
+            <pc:sldMk cId="954715612" sldId="258"/>
+            <ac:picMk id="13" creationId="{B3DF920D-0DD0-C10E-2ADE-3329616B2D53}"/>
+          </ac:picMkLst>
+        </pc:picChg>
+      </pc:sldChg>
+    </pc:docChg>
+  </pc:docChgLst>
+</pc:chgInfo>
 </file>
 
 <file path=ppt/slideLayouts/slideLayout1.xml><?xml version="1.0" encoding="utf-8"?>
@@ -255,7 +330,7 @@
           <a:p>
             <a:fld id="{4AF23A85-C92D-446E-8C00-3DD7023856C5}" type="datetimeFigureOut">
               <a:rPr lang="en-US" smtClean="0"/>
-              <a:t>2/15/2024</a:t>
+              <a:t>2/21/2024</a:t>
             </a:fld>
             <a:endParaRPr lang="en-US"/>
           </a:p>
@@ -453,7 +528,7 @@
           <a:p>
             <a:fld id="{4AF23A85-C92D-446E-8C00-3DD7023856C5}" type="datetimeFigureOut">
               <a:rPr lang="en-US" smtClean="0"/>
-              <a:t>2/15/2024</a:t>
+              <a:t>2/21/2024</a:t>
             </a:fld>
             <a:endParaRPr lang="en-US"/>
           </a:p>
@@ -661,7 +736,7 @@
           <a:p>
             <a:fld id="{4AF23A85-C92D-446E-8C00-3DD7023856C5}" type="datetimeFigureOut">
               <a:rPr lang="en-US" smtClean="0"/>
-              <a:t>2/15/2024</a:t>
+              <a:t>2/21/2024</a:t>
             </a:fld>
             <a:endParaRPr lang="en-US"/>
           </a:p>
@@ -859,7 +934,7 @@
           <a:p>
             <a:fld id="{4AF23A85-C92D-446E-8C00-3DD7023856C5}" type="datetimeFigureOut">
               <a:rPr lang="en-US" smtClean="0"/>
-              <a:t>2/15/2024</a:t>
+              <a:t>2/21/2024</a:t>
             </a:fld>
             <a:endParaRPr lang="en-US"/>
           </a:p>
@@ -1134,7 +1209,7 @@
           <a:p>
             <a:fld id="{4AF23A85-C92D-446E-8C00-3DD7023856C5}" type="datetimeFigureOut">
               <a:rPr lang="en-US" smtClean="0"/>
-              <a:t>2/15/2024</a:t>
+              <a:t>2/21/2024</a:t>
             </a:fld>
             <a:endParaRPr lang="en-US"/>
           </a:p>
@@ -1399,7 +1474,7 @@
           <a:p>
             <a:fld id="{4AF23A85-C92D-446E-8C00-3DD7023856C5}" type="datetimeFigureOut">
               <a:rPr lang="en-US" smtClean="0"/>
-              <a:t>2/15/2024</a:t>
+              <a:t>2/21/2024</a:t>
             </a:fld>
             <a:endParaRPr lang="en-US"/>
           </a:p>
@@ -1811,7 +1886,7 @@
           <a:p>
             <a:fld id="{4AF23A85-C92D-446E-8C00-3DD7023856C5}" type="datetimeFigureOut">
               <a:rPr lang="en-US" smtClean="0"/>
-              <a:t>2/15/2024</a:t>
+              <a:t>2/21/2024</a:t>
             </a:fld>
             <a:endParaRPr lang="en-US"/>
           </a:p>
@@ -1952,7 +2027,7 @@
           <a:p>
             <a:fld id="{4AF23A85-C92D-446E-8C00-3DD7023856C5}" type="datetimeFigureOut">
               <a:rPr lang="en-US" smtClean="0"/>
-              <a:t>2/15/2024</a:t>
+              <a:t>2/21/2024</a:t>
             </a:fld>
             <a:endParaRPr lang="en-US"/>
           </a:p>
@@ -2065,7 +2140,7 @@
           <a:p>
             <a:fld id="{4AF23A85-C92D-446E-8C00-3DD7023856C5}" type="datetimeFigureOut">
               <a:rPr lang="en-US" smtClean="0"/>
-              <a:t>2/15/2024</a:t>
+              <a:t>2/21/2024</a:t>
             </a:fld>
             <a:endParaRPr lang="en-US"/>
           </a:p>
@@ -2376,7 +2451,7 @@
           <a:p>
             <a:fld id="{4AF23A85-C92D-446E-8C00-3DD7023856C5}" type="datetimeFigureOut">
               <a:rPr lang="en-US" smtClean="0"/>
-              <a:t>2/15/2024</a:t>
+              <a:t>2/21/2024</a:t>
             </a:fld>
             <a:endParaRPr lang="en-US"/>
           </a:p>
@@ -2664,7 +2739,7 @@
           <a:p>
             <a:fld id="{4AF23A85-C92D-446E-8C00-3DD7023856C5}" type="datetimeFigureOut">
               <a:rPr lang="en-US" smtClean="0"/>
-              <a:t>2/15/2024</a:t>
+              <a:t>2/21/2024</a:t>
             </a:fld>
             <a:endParaRPr lang="en-US"/>
           </a:p>
@@ -2905,7 +2980,7 @@
           <a:p>
             <a:fld id="{4AF23A85-C92D-446E-8C00-3DD7023856C5}" type="datetimeFigureOut">
               <a:rPr lang="en-US" smtClean="0"/>
-              <a:t>2/15/2024</a:t>
+              <a:t>2/21/2024</a:t>
             </a:fld>
             <a:endParaRPr lang="en-US"/>
           </a:p>
@@ -7542,6 +7617,133 @@
 </p:sld>
 </file>
 
+<file path=ppt/slides/slide3.xml><?xml version="1.0" encoding="utf-8"?>
+<p:sld xmlns:a="http://schemas.openxmlformats.org/drawingml/2006/main" xmlns:r="http://schemas.openxmlformats.org/officeDocument/2006/relationships" xmlns:p="http://schemas.openxmlformats.org/presentationml/2006/main">
+  <p:cSld>
+    <p:spTree>
+      <p:nvGrpSpPr>
+        <p:cNvPr id="1" name=""/>
+        <p:cNvGrpSpPr/>
+        <p:nvPr/>
+      </p:nvGrpSpPr>
+      <p:grpSpPr>
+        <a:xfrm>
+          <a:off x="0" y="0"/>
+          <a:ext cx="0" cy="0"/>
+          <a:chOff x="0" y="0"/>
+          <a:chExt cx="0" cy="0"/>
+        </a:xfrm>
+      </p:grpSpPr>
+      <p:grpSp>
+        <p:nvGrpSpPr>
+          <p:cNvPr id="14" name="Group 13">
+            <a:extLst>
+              <a:ext uri="{FF2B5EF4-FFF2-40B4-BE49-F238E27FC236}">
+                <a16:creationId xmlns:a16="http://schemas.microsoft.com/office/drawing/2014/main" id="{17CF6953-97E9-7921-2B94-07F62C901D1C}"/>
+              </a:ext>
+            </a:extLst>
+          </p:cNvPr>
+          <p:cNvGrpSpPr/>
+          <p:nvPr/>
+        </p:nvGrpSpPr>
+        <p:grpSpPr>
+          <a:xfrm>
+            <a:off x="1445127" y="1426119"/>
+            <a:ext cx="9677400" cy="3921540"/>
+            <a:chOff x="139700" y="1468229"/>
+            <a:chExt cx="9677400" cy="3921540"/>
+          </a:xfrm>
+        </p:grpSpPr>
+        <p:pic>
+          <p:nvPicPr>
+            <p:cNvPr id="12" name="Graphic 11">
+              <a:extLst>
+                <a:ext uri="{FF2B5EF4-FFF2-40B4-BE49-F238E27FC236}">
+                  <a16:creationId xmlns:a16="http://schemas.microsoft.com/office/drawing/2014/main" id="{95C45A23-7E54-8C63-B1B9-26AF52EA1E81}"/>
+                </a:ext>
+              </a:extLst>
+            </p:cNvPr>
+            <p:cNvPicPr>
+              <a:picLocks noChangeAspect="1"/>
+            </p:cNvPicPr>
+            <p:nvPr/>
+          </p:nvPicPr>
+          <p:blipFill rotWithShape="1">
+            <a:blip r:embed="rId2">
+              <a:extLst>
+                <a:ext uri="{28A0092B-C50C-407E-A947-70E740481C1C}">
+                  <a14:useLocalDpi xmlns:a14="http://schemas.microsoft.com/office/drawing/2010/main" val="0"/>
+                </a:ext>
+                <a:ext uri="{96DAC541-7B7A-43D3-8B79-37D633B846F1}">
+                  <asvg:svgBlip xmlns:asvg="http://schemas.microsoft.com/office/drawing/2016/SVG/main" r:embed="rId3"/>
+                </a:ext>
+              </a:extLst>
+            </a:blip>
+            <a:srcRect l="8229" t="5155" r="52083"/>
+            <a:stretch/>
+          </p:blipFill>
+          <p:spPr>
+            <a:xfrm>
+              <a:off x="139700" y="1468230"/>
+              <a:ext cx="4838700" cy="3921539"/>
+            </a:xfrm>
+            <a:prstGeom prst="rect">
+              <a:avLst/>
+            </a:prstGeom>
+          </p:spPr>
+        </p:pic>
+        <p:pic>
+          <p:nvPicPr>
+            <p:cNvPr id="13" name="Graphic 12">
+              <a:extLst>
+                <a:ext uri="{FF2B5EF4-FFF2-40B4-BE49-F238E27FC236}">
+                  <a16:creationId xmlns:a16="http://schemas.microsoft.com/office/drawing/2014/main" id="{B3DF920D-0DD0-C10E-2ADE-3329616B2D53}"/>
+                </a:ext>
+              </a:extLst>
+            </p:cNvPr>
+            <p:cNvPicPr>
+              <a:picLocks noChangeAspect="1"/>
+            </p:cNvPicPr>
+            <p:nvPr/>
+          </p:nvPicPr>
+          <p:blipFill rotWithShape="1">
+            <a:blip r:embed="rId2">
+              <a:extLst>
+                <a:ext uri="{28A0092B-C50C-407E-A947-70E740481C1C}">
+                  <a14:useLocalDpi xmlns:a14="http://schemas.microsoft.com/office/drawing/2010/main" val="0"/>
+                </a:ext>
+                <a:ext uri="{96DAC541-7B7A-43D3-8B79-37D633B846F1}">
+                  <asvg:svgBlip xmlns:asvg="http://schemas.microsoft.com/office/drawing/2016/SVG/main" r:embed="rId3"/>
+                </a:ext>
+              </a:extLst>
+            </a:blip>
+            <a:srcRect l="51902" t="5155" r="8410"/>
+            <a:stretch/>
+          </p:blipFill>
+          <p:spPr>
+            <a:xfrm>
+              <a:off x="4978400" y="1468229"/>
+              <a:ext cx="4838700" cy="3921539"/>
+            </a:xfrm>
+            <a:prstGeom prst="rect">
+              <a:avLst/>
+            </a:prstGeom>
+          </p:spPr>
+        </p:pic>
+      </p:grpSp>
+    </p:spTree>
+    <p:extLst>
+      <p:ext uri="{BB962C8B-B14F-4D97-AF65-F5344CB8AC3E}">
+        <p14:creationId xmlns:p14="http://schemas.microsoft.com/office/powerpoint/2010/main" val="954715612"/>
+      </p:ext>
+    </p:extLst>
+  </p:cSld>
+  <p:clrMapOvr>
+    <a:masterClrMapping/>
+  </p:clrMapOvr>
+</p:sld>
+</file>
+
 <file path=ppt/tags/tag1.xml><?xml version="1.0" encoding="utf-8"?>
 <p:tagLst xmlns:a="http://schemas.openxmlformats.org/drawingml/2006/main" xmlns:r="http://schemas.openxmlformats.org/officeDocument/2006/relationships" xmlns:p="http://schemas.openxmlformats.org/presentationml/2006/main">
   <p:tag name="ORIGINALHEIGHT" val="5.788255"/>

--- a/FixedWingDoublet/Figures and data for presentation/EKP Correction.pptx
+++ b/FixedWingDoublet/Figures and data for presentation/EKP Correction.pptx
@@ -117,7 +117,7 @@
 <file path=ppt/revisionInfo.xml><?xml version="1.0" encoding="utf-8"?>
 <p1510:revInfo xmlns:a="http://schemas.openxmlformats.org/drawingml/2006/main" xmlns:r="http://schemas.openxmlformats.org/officeDocument/2006/relationships" xmlns:p1510="http://schemas.microsoft.com/office/powerpoint/2015/10/main">
   <p1510:revLst>
-    <p1510:client id="{80EAD2B4-3070-4D4F-AC83-B79623217CA9}" v="1" dt="2024-02-21T18:14:30.123"/>
+    <p1510:client id="{80EAD2B4-3070-4D4F-AC83-B79623217CA9}" v="3" dt="2024-02-22T19:17:51.863"/>
   </p1510:revLst>
 </p1510:revInfo>
 </file>
@@ -126,8 +126,8 @@
 <pc:chgInfo xmlns:a="http://schemas.openxmlformats.org/drawingml/2006/main" xmlns:r="http://schemas.openxmlformats.org/officeDocument/2006/relationships" xmlns:ac="http://schemas.microsoft.com/office/drawing/2013/main/command" xmlns:pc="http://schemas.microsoft.com/office/powerpoint/2013/main/command">
   <pc:docChgLst>
     <pc:chgData name="Sakib, Nazmus" userId="5a70df67-f8b8-44b4-9e1e-b1bbee6ba8e9" providerId="ADAL" clId="{80EAD2B4-3070-4D4F-AC83-B79623217CA9}"/>
-    <pc:docChg chg="custSel addSld modSld">
-      <pc:chgData name="Sakib, Nazmus" userId="5a70df67-f8b8-44b4-9e1e-b1bbee6ba8e9" providerId="ADAL" clId="{80EAD2B4-3070-4D4F-AC83-B79623217CA9}" dt="2024-02-21T18:14:31.714" v="4" actId="1076"/>
+    <pc:docChg chg="custSel addSld delSld modSld">
+      <pc:chgData name="Sakib, Nazmus" userId="5a70df67-f8b8-44b4-9e1e-b1bbee6ba8e9" providerId="ADAL" clId="{80EAD2B4-3070-4D4F-AC83-B79623217CA9}" dt="2024-02-22T20:03:16.776" v="21" actId="47"/>
       <pc:docMkLst>
         <pc:docMk/>
       </pc:docMkLst>
@@ -175,6 +175,45 @@
             <pc:docMk/>
             <pc:sldMk cId="954715612" sldId="258"/>
             <ac:picMk id="13" creationId="{B3DF920D-0DD0-C10E-2ADE-3329616B2D53}"/>
+          </ac:picMkLst>
+        </pc:picChg>
+      </pc:sldChg>
+      <pc:sldChg chg="addSp delSp modSp new del mod">
+        <pc:chgData name="Sakib, Nazmus" userId="5a70df67-f8b8-44b4-9e1e-b1bbee6ba8e9" providerId="ADAL" clId="{80EAD2B4-3070-4D4F-AC83-B79623217CA9}" dt="2024-02-22T20:03:16.776" v="21" actId="47"/>
+        <pc:sldMkLst>
+          <pc:docMk/>
+          <pc:sldMk cId="1858827939" sldId="259"/>
+        </pc:sldMkLst>
+        <pc:spChg chg="del">
+          <ac:chgData name="Sakib, Nazmus" userId="5a70df67-f8b8-44b4-9e1e-b1bbee6ba8e9" providerId="ADAL" clId="{80EAD2B4-3070-4D4F-AC83-B79623217CA9}" dt="2024-02-22T19:16:36.321" v="6" actId="478"/>
+          <ac:spMkLst>
+            <pc:docMk/>
+            <pc:sldMk cId="1858827939" sldId="259"/>
+            <ac:spMk id="2" creationId="{070C2896-9FDD-6387-B29D-02220B0D437C}"/>
+          </ac:spMkLst>
+        </pc:spChg>
+        <pc:spChg chg="del">
+          <ac:chgData name="Sakib, Nazmus" userId="5a70df67-f8b8-44b4-9e1e-b1bbee6ba8e9" providerId="ADAL" clId="{80EAD2B4-3070-4D4F-AC83-B79623217CA9}" dt="2024-02-22T19:16:37.298" v="7" actId="478"/>
+          <ac:spMkLst>
+            <pc:docMk/>
+            <pc:sldMk cId="1858827939" sldId="259"/>
+            <ac:spMk id="3" creationId="{36050B4E-1BCB-516A-4483-2F8894E624FB}"/>
+          </ac:spMkLst>
+        </pc:spChg>
+        <pc:picChg chg="add mod modCrop">
+          <ac:chgData name="Sakib, Nazmus" userId="5a70df67-f8b8-44b4-9e1e-b1bbee6ba8e9" providerId="ADAL" clId="{80EAD2B4-3070-4D4F-AC83-B79623217CA9}" dt="2024-02-22T19:17:51.019" v="13" actId="1076"/>
+          <ac:picMkLst>
+            <pc:docMk/>
+            <pc:sldMk cId="1858827939" sldId="259"/>
+            <ac:picMk id="5" creationId="{DFDC1960-EB82-D6A3-1B6A-346561757AF7}"/>
+          </ac:picMkLst>
+        </pc:picChg>
+        <pc:picChg chg="add mod modCrop">
+          <ac:chgData name="Sakib, Nazmus" userId="5a70df67-f8b8-44b4-9e1e-b1bbee6ba8e9" providerId="ADAL" clId="{80EAD2B4-3070-4D4F-AC83-B79623217CA9}" dt="2024-02-22T19:19:13.867" v="20" actId="1076"/>
+          <ac:picMkLst>
+            <pc:docMk/>
+            <pc:sldMk cId="1858827939" sldId="259"/>
+            <ac:picMk id="6" creationId="{949F3104-4839-D43F-2264-0BF80F7F5585}"/>
           </ac:picMkLst>
         </pc:picChg>
       </pc:sldChg>
@@ -330,7 +369,7 @@
           <a:p>
             <a:fld id="{4AF23A85-C92D-446E-8C00-3DD7023856C5}" type="datetimeFigureOut">
               <a:rPr lang="en-US" smtClean="0"/>
-              <a:t>2/21/2024</a:t>
+              <a:t>2/22/2024</a:t>
             </a:fld>
             <a:endParaRPr lang="en-US"/>
           </a:p>
@@ -528,7 +567,7 @@
           <a:p>
             <a:fld id="{4AF23A85-C92D-446E-8C00-3DD7023856C5}" type="datetimeFigureOut">
               <a:rPr lang="en-US" smtClean="0"/>
-              <a:t>2/21/2024</a:t>
+              <a:t>2/22/2024</a:t>
             </a:fld>
             <a:endParaRPr lang="en-US"/>
           </a:p>
@@ -736,7 +775,7 @@
           <a:p>
             <a:fld id="{4AF23A85-C92D-446E-8C00-3DD7023856C5}" type="datetimeFigureOut">
               <a:rPr lang="en-US" smtClean="0"/>
-              <a:t>2/21/2024</a:t>
+              <a:t>2/22/2024</a:t>
             </a:fld>
             <a:endParaRPr lang="en-US"/>
           </a:p>
@@ -934,7 +973,7 @@
           <a:p>
             <a:fld id="{4AF23A85-C92D-446E-8C00-3DD7023856C5}" type="datetimeFigureOut">
               <a:rPr lang="en-US" smtClean="0"/>
-              <a:t>2/21/2024</a:t>
+              <a:t>2/22/2024</a:t>
             </a:fld>
             <a:endParaRPr lang="en-US"/>
           </a:p>
@@ -1209,7 +1248,7 @@
           <a:p>
             <a:fld id="{4AF23A85-C92D-446E-8C00-3DD7023856C5}" type="datetimeFigureOut">
               <a:rPr lang="en-US" smtClean="0"/>
-              <a:t>2/21/2024</a:t>
+              <a:t>2/22/2024</a:t>
             </a:fld>
             <a:endParaRPr lang="en-US"/>
           </a:p>
@@ -1474,7 +1513,7 @@
           <a:p>
             <a:fld id="{4AF23A85-C92D-446E-8C00-3DD7023856C5}" type="datetimeFigureOut">
               <a:rPr lang="en-US" smtClean="0"/>
-              <a:t>2/21/2024</a:t>
+              <a:t>2/22/2024</a:t>
             </a:fld>
             <a:endParaRPr lang="en-US"/>
           </a:p>
@@ -1886,7 +1925,7 @@
           <a:p>
             <a:fld id="{4AF23A85-C92D-446E-8C00-3DD7023856C5}" type="datetimeFigureOut">
               <a:rPr lang="en-US" smtClean="0"/>
-              <a:t>2/21/2024</a:t>
+              <a:t>2/22/2024</a:t>
             </a:fld>
             <a:endParaRPr lang="en-US"/>
           </a:p>
@@ -2027,7 +2066,7 @@
           <a:p>
             <a:fld id="{4AF23A85-C92D-446E-8C00-3DD7023856C5}" type="datetimeFigureOut">
               <a:rPr lang="en-US" smtClean="0"/>
-              <a:t>2/21/2024</a:t>
+              <a:t>2/22/2024</a:t>
             </a:fld>
             <a:endParaRPr lang="en-US"/>
           </a:p>
@@ -2140,7 +2179,7 @@
           <a:p>
             <a:fld id="{4AF23A85-C92D-446E-8C00-3DD7023856C5}" type="datetimeFigureOut">
               <a:rPr lang="en-US" smtClean="0"/>
-              <a:t>2/21/2024</a:t>
+              <a:t>2/22/2024</a:t>
             </a:fld>
             <a:endParaRPr lang="en-US"/>
           </a:p>
@@ -2451,7 +2490,7 @@
           <a:p>
             <a:fld id="{4AF23A85-C92D-446E-8C00-3DD7023856C5}" type="datetimeFigureOut">
               <a:rPr lang="en-US" smtClean="0"/>
-              <a:t>2/21/2024</a:t>
+              <a:t>2/22/2024</a:t>
             </a:fld>
             <a:endParaRPr lang="en-US"/>
           </a:p>
@@ -2739,7 +2778,7 @@
           <a:p>
             <a:fld id="{4AF23A85-C92D-446E-8C00-3DD7023856C5}" type="datetimeFigureOut">
               <a:rPr lang="en-US" smtClean="0"/>
-              <a:t>2/21/2024</a:t>
+              <a:t>2/22/2024</a:t>
             </a:fld>
             <a:endParaRPr lang="en-US"/>
           </a:p>
@@ -2980,7 +3019,7 @@
           <a:p>
             <a:fld id="{4AF23A85-C92D-446E-8C00-3DD7023856C5}" type="datetimeFigureOut">
               <a:rPr lang="en-US" smtClean="0"/>
-              <a:t>2/21/2024</a:t>
+              <a:t>2/22/2024</a:t>
             </a:fld>
             <a:endParaRPr lang="en-US"/>
           </a:p>
